--- a/paper.pptx
+++ b/paper.pptx
@@ -266,7 +266,7 @@
               <a:pPr>
                 <a:defRPr/>
               </a:pPr>
-              <a:t>2017-01-10 Tuesday</a:t>
+              <a:t>2017-01-13 Friday</a:t>
             </a:fld>
             <a:endParaRPr lang="zh-CN" altLang="en-US"/>
           </a:p>
@@ -5858,8 +5858,8 @@
           </a:prstGeom>
         </p:spPr>
       </p:pic>
-      <mc:AlternateContent xmlns:mc="http://schemas.openxmlformats.org/markup-compatibility/2006">
-        <mc:Choice xmlns:a14="http://schemas.microsoft.com/office/drawing/2010/main" Requires="a14">
+      <mc:AlternateContent xmlns:mc="http://schemas.openxmlformats.org/markup-compatibility/2006" xmlns:a14="http://schemas.microsoft.com/office/drawing/2010/main">
+        <mc:Choice Requires="a14">
           <p:sp>
             <p:nvSpPr>
               <p:cNvPr id="16" name="文本框 15"/>
@@ -5882,6 +5882,7 @@
               </a:bodyPr>
               <a:lstStyle/>
               <a:p>
+                <a:pPr/>
                 <a14:m>
                   <m:oMathPara xmlns:m="http://schemas.openxmlformats.org/officeDocument/2006/math">
                     <m:oMathParaPr>
@@ -5920,7 +5921,7 @@
             </p:txBody>
           </p:sp>
         </mc:Choice>
-        <mc:Fallback>
+        <mc:Fallback xmlns="">
           <p:sp>
             <p:nvSpPr>
               <p:cNvPr id="16" name="文本框 15"/>
@@ -6185,8 +6186,8 @@
           </a:prstGeom>
         </p:spPr>
       </p:pic>
-      <mc:AlternateContent xmlns:mc="http://schemas.openxmlformats.org/markup-compatibility/2006">
-        <mc:Choice xmlns:a14="http://schemas.microsoft.com/office/drawing/2010/main" Requires="a14">
+      <mc:AlternateContent xmlns:mc="http://schemas.openxmlformats.org/markup-compatibility/2006" xmlns:a14="http://schemas.microsoft.com/office/drawing/2010/main">
+        <mc:Choice Requires="a14">
           <p:sp>
             <p:nvSpPr>
               <p:cNvPr id="11" name="文本框 10"/>
@@ -6209,6 +6210,7 @@
               </a:bodyPr>
               <a:lstStyle/>
               <a:p>
+                <a:pPr/>
                 <a14:m>
                   <m:oMathPara xmlns:m="http://schemas.openxmlformats.org/officeDocument/2006/math">
                     <m:oMathParaPr>
@@ -6247,7 +6249,7 @@
             </p:txBody>
           </p:sp>
         </mc:Choice>
-        <mc:Fallback>
+        <mc:Fallback xmlns="">
           <p:sp>
             <p:nvSpPr>
               <p:cNvPr id="11" name="文本框 10"/>
@@ -6482,8 +6484,8 @@
           </a:prstGeom>
         </p:spPr>
       </p:pic>
-      <mc:AlternateContent xmlns:mc="http://schemas.openxmlformats.org/markup-compatibility/2006">
-        <mc:Choice xmlns:a14="http://schemas.microsoft.com/office/drawing/2010/main" Requires="a14">
+      <mc:AlternateContent xmlns:mc="http://schemas.openxmlformats.org/markup-compatibility/2006" xmlns:a14="http://schemas.microsoft.com/office/drawing/2010/main">
+        <mc:Choice Requires="a14">
           <p:sp>
             <p:nvSpPr>
               <p:cNvPr id="9" name="文本框 8"/>
@@ -6506,6 +6508,7 @@
               </a:bodyPr>
               <a:lstStyle/>
               <a:p>
+                <a:pPr/>
                 <a14:m>
                   <m:oMathPara xmlns:m="http://schemas.openxmlformats.org/officeDocument/2006/math">
                     <m:oMathParaPr>
@@ -6544,7 +6547,7 @@
             </p:txBody>
           </p:sp>
         </mc:Choice>
-        <mc:Fallback>
+        <mc:Fallback xmlns="">
           <p:sp>
             <p:nvSpPr>
               <p:cNvPr id="9" name="文本框 8"/>
@@ -6613,8 +6616,8 @@
           </a:prstGeom>
         </p:spPr>
       </p:pic>
-      <mc:AlternateContent xmlns:mc="http://schemas.openxmlformats.org/markup-compatibility/2006">
-        <mc:Choice xmlns:a14="http://schemas.microsoft.com/office/drawing/2010/main" Requires="a14">
+      <mc:AlternateContent xmlns:mc="http://schemas.openxmlformats.org/markup-compatibility/2006" xmlns:a14="http://schemas.microsoft.com/office/drawing/2010/main">
+        <mc:Choice Requires="a14">
           <p:sp>
             <p:nvSpPr>
               <p:cNvPr id="11" name="文本框 10"/>
@@ -6637,6 +6640,7 @@
               </a:bodyPr>
               <a:lstStyle/>
               <a:p>
+                <a:pPr/>
                 <a14:m>
                   <m:oMathPara xmlns:m="http://schemas.openxmlformats.org/officeDocument/2006/math">
                     <m:oMathParaPr>
@@ -6675,7 +6679,7 @@
             </p:txBody>
           </p:sp>
         </mc:Choice>
-        <mc:Fallback>
+        <mc:Fallback xmlns="">
           <p:sp>
             <p:nvSpPr>
               <p:cNvPr id="11" name="文本框 10"/>
@@ -6774,8 +6778,8 @@
           </a:prstGeom>
         </p:spPr>
       </p:pic>
-      <mc:AlternateContent xmlns:mc="http://schemas.openxmlformats.org/markup-compatibility/2006">
-        <mc:Choice xmlns:a14="http://schemas.microsoft.com/office/drawing/2010/main" Requires="a14">
+      <mc:AlternateContent xmlns:mc="http://schemas.openxmlformats.org/markup-compatibility/2006" xmlns:a14="http://schemas.microsoft.com/office/drawing/2010/main">
+        <mc:Choice Requires="a14">
           <p:sp>
             <p:nvSpPr>
               <p:cNvPr id="14" name="文本框 13"/>
@@ -6798,6 +6802,7 @@
               </a:bodyPr>
               <a:lstStyle/>
               <a:p>
+                <a:pPr/>
                 <a14:m>
                   <m:oMathPara xmlns:m="http://schemas.openxmlformats.org/officeDocument/2006/math">
                     <m:oMathParaPr>
@@ -6836,7 +6841,7 @@
             </p:txBody>
           </p:sp>
         </mc:Choice>
-        <mc:Fallback>
+        <mc:Fallback xmlns="">
           <p:sp>
             <p:nvSpPr>
               <p:cNvPr id="14" name="文本框 13"/>
@@ -6875,8 +6880,8 @@
           </p:sp>
         </mc:Fallback>
       </mc:AlternateContent>
-      <mc:AlternateContent xmlns:mc="http://schemas.openxmlformats.org/markup-compatibility/2006">
-        <mc:Choice xmlns:a14="http://schemas.microsoft.com/office/drawing/2010/main" Requires="a14">
+      <mc:AlternateContent xmlns:mc="http://schemas.openxmlformats.org/markup-compatibility/2006" xmlns:a14="http://schemas.microsoft.com/office/drawing/2010/main">
+        <mc:Choice Requires="a14">
           <p:sp>
             <p:nvSpPr>
               <p:cNvPr id="15" name="文本框 14"/>
@@ -6899,6 +6904,7 @@
               </a:bodyPr>
               <a:lstStyle/>
               <a:p>
+                <a:pPr/>
                 <a14:m>
                   <m:oMathPara xmlns:m="http://schemas.openxmlformats.org/officeDocument/2006/math">
                     <m:oMathParaPr>
@@ -6937,7 +6943,7 @@
             </p:txBody>
           </p:sp>
         </mc:Choice>
-        <mc:Fallback>
+        <mc:Fallback xmlns="">
           <p:sp>
             <p:nvSpPr>
               <p:cNvPr id="15" name="文本框 14"/>
@@ -7178,8 +7184,8 @@
           </a:p>
         </p:txBody>
       </p:sp>
-      <mc:AlternateContent xmlns:mc="http://schemas.openxmlformats.org/markup-compatibility/2006">
-        <mc:Choice xmlns:a14="http://schemas.microsoft.com/office/drawing/2010/main" Requires="a14">
+      <mc:AlternateContent xmlns:mc="http://schemas.openxmlformats.org/markup-compatibility/2006" xmlns:a14="http://schemas.microsoft.com/office/drawing/2010/main">
+        <mc:Choice Requires="a14">
           <p:sp>
             <p:nvSpPr>
               <p:cNvPr id="10" name="文本框 9"/>
@@ -7210,27 +7216,7 @@
                     <a:latin typeface="+mn-lt"/>
                     <a:cs typeface="Times New Roman" panose="02020603050405020304" pitchFamily="18" charset="0"/>
                   </a:rPr>
-                  <a:t>1</a:t>
-                </a:r>
-                <a:r>
-                  <a:rPr lang="en-US" altLang="zh-CN" sz="2400" kern="100" dirty="0" smtClean="0">
-                    <a:solidFill>
-                      <a:srgbClr val="000000"/>
-                    </a:solidFill>
-                    <a:latin typeface="+mn-lt"/>
-                    <a:cs typeface="Times New Roman" panose="02020603050405020304" pitchFamily="18" charset="0"/>
-                  </a:rPr>
-                  <a:t>. </a:t>
-                </a:r>
-                <a:r>
-                  <a:rPr lang="en-US" altLang="zh-CN" sz="2400" kern="100" dirty="0" smtClean="0">
-                    <a:solidFill>
-                      <a:srgbClr val="000000"/>
-                    </a:solidFill>
-                    <a:latin typeface="+mn-lt"/>
-                    <a:cs typeface="Times New Roman" panose="02020603050405020304" pitchFamily="18" charset="0"/>
-                  </a:rPr>
-                  <a:t>TC of </a:t>
+                  <a:t>1. TC of </a:t>
                 </a:r>
                 <a14:m>
                   <m:oMath xmlns:m="http://schemas.openxmlformats.org/officeDocument/2006/math">
@@ -7337,7 +7323,7 @@
             </p:txBody>
           </p:sp>
         </mc:Choice>
-        <mc:Fallback>
+        <mc:Fallback xmlns="">
           <p:sp>
             <p:nvSpPr>
               <p:cNvPr id="10" name="文本框 9"/>
@@ -7406,17 +7392,7 @@
                 <a:latin typeface="+mn-lt"/>
                 <a:cs typeface="Times New Roman" panose="02020603050405020304" pitchFamily="18" charset="0"/>
               </a:rPr>
-              <a:t>2. </a:t>
-            </a:r>
-            <a:r>
-              <a:rPr lang="en-US" altLang="zh-CN" sz="2400" kern="100" dirty="0" smtClean="0">
-                <a:solidFill>
-                  <a:srgbClr val="000000"/>
-                </a:solidFill>
-                <a:latin typeface="+mn-lt"/>
-                <a:cs typeface="Times New Roman" panose="02020603050405020304" pitchFamily="18" charset="0"/>
-              </a:rPr>
-              <a:t>ZT is not sensitive to electron relaxation time which is always not available from ab-initial calculation.</a:t>
+              <a:t>2. ZT is not sensitive to electron relaxation time which is always not available from ab-initial calculation.</a:t>
             </a:r>
             <a:endParaRPr lang="zh-CN" altLang="en-US" sz="2400" kern="100" dirty="0">
               <a:solidFill>
@@ -7428,8 +7404,8 @@
           </a:p>
         </p:txBody>
       </p:sp>
-      <mc:AlternateContent xmlns:mc="http://schemas.openxmlformats.org/markup-compatibility/2006">
-        <mc:Choice xmlns:a14="http://schemas.microsoft.com/office/drawing/2010/main" Requires="a14">
+      <mc:AlternateContent xmlns:mc="http://schemas.openxmlformats.org/markup-compatibility/2006" xmlns:a14="http://schemas.microsoft.com/office/drawing/2010/main">
+        <mc:Choice Requires="a14">
           <p:sp>
             <p:nvSpPr>
               <p:cNvPr id="8" name="文本框 7"/>
@@ -7567,7 +7543,7 @@
             </p:txBody>
           </p:sp>
         </mc:Choice>
-        <mc:Fallback>
+        <mc:Fallback xmlns="">
           <p:sp>
             <p:nvSpPr>
               <p:cNvPr id="8" name="文本框 7"/>
@@ -8379,37 +8355,7 @@
                 <a:latin typeface="+mn-lt"/>
                 <a:cs typeface="Times New Roman" panose="02020603050405020304" pitchFamily="18" charset="0"/>
               </a:rPr>
-              <a:t>4. From first principle we systematically investigate the phonon anharmonic thermal conductivity , Seebeck coefficient </a:t>
-            </a:r>
-            <a:r>
-              <a:rPr lang="en-US" altLang="zh-CN" sz="2400" kern="100" dirty="0" smtClean="0">
-                <a:solidFill>
-                  <a:srgbClr val="000000"/>
-                </a:solidFill>
-                <a:latin typeface="+mn-lt"/>
-                <a:cs typeface="Times New Roman" panose="02020603050405020304" pitchFamily="18" charset="0"/>
-              </a:rPr>
-              <a:t>, </a:t>
-            </a:r>
-            <a:r>
-              <a:rPr lang="en-US" altLang="zh-CN" sz="2400" kern="100" dirty="0" smtClean="0">
-                <a:solidFill>
-                  <a:srgbClr val="000000"/>
-                </a:solidFill>
-                <a:latin typeface="+mn-lt"/>
-                <a:cs typeface="Times New Roman" panose="02020603050405020304" pitchFamily="18" charset="0"/>
-              </a:rPr>
-              <a:t>electric conductivity </a:t>
-            </a:r>
-            <a:r>
-              <a:rPr lang="en-US" altLang="zh-CN" sz="2400" kern="100" dirty="0" smtClean="0">
-                <a:solidFill>
-                  <a:srgbClr val="000000"/>
-                </a:solidFill>
-                <a:latin typeface="+mn-lt"/>
-                <a:cs typeface="Times New Roman" panose="02020603050405020304" pitchFamily="18" charset="0"/>
-              </a:rPr>
-              <a:t>and ZT</a:t>
+              <a:t>4. From first principle we systematically investigate the phonon anharmonic thermal conductivity , Seebeck coefficient , electric conductivity and ZT</a:t>
             </a:r>
             <a:endParaRPr lang="zh-CN" altLang="en-US" sz="2400" kern="100" dirty="0">
               <a:solidFill>
@@ -11271,6 +11217,235 @@
           </a:extLst>
         </p:spPr>
       </p:pic>
+      <p:pic>
+        <p:nvPicPr>
+          <p:cNvPr id="2" name="图片 1"/>
+          <p:cNvPicPr>
+            <a:picLocks noChangeAspect="1"/>
+          </p:cNvPicPr>
+          <p:nvPr/>
+        </p:nvPicPr>
+        <p:blipFill>
+          <a:blip r:embed="rId4">
+            <a:extLst>
+              <a:ext uri="{28A0092B-C50C-407E-A947-70E740481C1C}">
+                <a14:useLocalDpi xmlns:a14="http://schemas.microsoft.com/office/drawing/2010/main" val="0"/>
+              </a:ext>
+            </a:extLst>
+          </a:blip>
+          <a:stretch>
+            <a:fillRect/>
+          </a:stretch>
+        </p:blipFill>
+        <p:spPr>
+          <a:xfrm>
+            <a:off x="666470" y="4426391"/>
+            <a:ext cx="3095959" cy="2431609"/>
+          </a:xfrm>
+          <a:prstGeom prst="rect">
+            <a:avLst/>
+          </a:prstGeom>
+        </p:spPr>
+      </p:pic>
+      <mc:AlternateContent xmlns:mc="http://schemas.openxmlformats.org/markup-compatibility/2006">
+        <mc:Choice xmlns:a14="http://schemas.microsoft.com/office/drawing/2010/main" Requires="a14">
+          <p:sp>
+            <p:nvSpPr>
+              <p:cNvPr id="3" name="文本框 2"/>
+              <p:cNvSpPr txBox="1"/>
+              <p:nvPr/>
+            </p:nvSpPr>
+            <p:spPr>
+              <a:xfrm>
+                <a:off x="3745640" y="5298853"/>
+                <a:ext cx="2372844" cy="658065"/>
+              </a:xfrm>
+              <a:prstGeom prst="rect">
+                <a:avLst/>
+              </a:prstGeom>
+              <a:noFill/>
+            </p:spPr>
+            <p:txBody>
+              <a:bodyPr wrap="square" rtlCol="0">
+                <a:spAutoFit/>
+              </a:bodyPr>
+              <a:lstStyle/>
+              <a:p>
+                <a14:m>
+                  <m:oMathPara xmlns:m="http://schemas.openxmlformats.org/officeDocument/2006/math">
+                    <m:oMathParaPr>
+                      <m:jc m:val="centerGroup"/>
+                    </m:oMathParaPr>
+                    <m:oMath xmlns:m="http://schemas.openxmlformats.org/officeDocument/2006/math">
+                      <m:f>
+                        <m:fPr>
+                          <m:ctrlPr>
+                            <a:rPr lang="en-US" altLang="zh-CN" i="1" dirty="0" smtClean="0">
+                              <a:latin typeface="Cambria Math" panose="02040503050406030204" pitchFamily="18" charset="0"/>
+                              <a:ea typeface="微软雅黑" panose="020B0503020204020204" pitchFamily="34" charset="-122"/>
+                            </a:rPr>
+                          </m:ctrlPr>
+                        </m:fPr>
+                        <m:num>
+                          <m:r>
+                            <a:rPr lang="en-US" altLang="zh-CN" i="1" dirty="0" smtClean="0">
+                              <a:latin typeface="Cambria Math" panose="02040503050406030204" pitchFamily="18" charset="0"/>
+                              <a:ea typeface="微软雅黑" panose="020B0503020204020204" pitchFamily="34" charset="-122"/>
+                            </a:rPr>
+                            <m:t>1</m:t>
+                          </m:r>
+                        </m:num>
+                        <m:den>
+                          <m:r>
+                            <a:rPr lang="zh-CN" altLang="en-US" i="1" dirty="0" smtClean="0">
+                              <a:latin typeface="Cambria Math" panose="02040503050406030204" pitchFamily="18" charset="0"/>
+                              <a:ea typeface="微软雅黑" panose="020B0503020204020204" pitchFamily="34" charset="-122"/>
+                            </a:rPr>
+                            <m:t>𝜅</m:t>
+                          </m:r>
+                        </m:den>
+                      </m:f>
+                      <m:r>
+                        <a:rPr lang="en-US" altLang="zh-CN" b="0" i="1" dirty="0" smtClean="0">
+                          <a:latin typeface="Cambria Math" panose="02040503050406030204" pitchFamily="18" charset="0"/>
+                          <a:ea typeface="微软雅黑" panose="020B0503020204020204" pitchFamily="34" charset="-122"/>
+                        </a:rPr>
+                        <m:t>=</m:t>
+                      </m:r>
+                      <m:f>
+                        <m:fPr>
+                          <m:ctrlPr>
+                            <a:rPr lang="en-US" altLang="zh-CN" b="0" i="1" dirty="0" smtClean="0">
+                              <a:latin typeface="Cambria Math" panose="02040503050406030204" pitchFamily="18" charset="0"/>
+                              <a:ea typeface="微软雅黑" panose="020B0503020204020204" pitchFamily="34" charset="-122"/>
+                            </a:rPr>
+                          </m:ctrlPr>
+                        </m:fPr>
+                        <m:num>
+                          <m:r>
+                            <a:rPr lang="zh-CN" altLang="en-US" b="0" i="1" dirty="0" smtClean="0">
+                              <a:latin typeface="Cambria Math" panose="02040503050406030204" pitchFamily="18" charset="0"/>
+                              <a:ea typeface="微软雅黑" panose="020B0503020204020204" pitchFamily="34" charset="-122"/>
+                            </a:rPr>
+                            <m:t>𝛼</m:t>
+                          </m:r>
+                        </m:num>
+                        <m:den>
+                          <m:r>
+                            <a:rPr lang="en-US" altLang="zh-CN" b="0" i="1" dirty="0" smtClean="0">
+                              <a:latin typeface="Cambria Math" panose="02040503050406030204" pitchFamily="18" charset="0"/>
+                              <a:ea typeface="微软雅黑" panose="020B0503020204020204" pitchFamily="34" charset="-122"/>
+                            </a:rPr>
+                            <m:t>𝐿</m:t>
+                          </m:r>
+                        </m:den>
+                      </m:f>
+                      <m:r>
+                        <a:rPr lang="en-US" altLang="zh-CN" b="0" i="1" dirty="0" smtClean="0">
+                          <a:latin typeface="Cambria Math" panose="02040503050406030204" pitchFamily="18" charset="0"/>
+                          <a:ea typeface="微软雅黑" panose="020B0503020204020204" pitchFamily="34" charset="-122"/>
+                        </a:rPr>
+                        <m:t>+</m:t>
+                      </m:r>
+                      <m:f>
+                        <m:fPr>
+                          <m:ctrlPr>
+                            <a:rPr lang="en-US" altLang="zh-CN" i="1" dirty="0">
+                              <a:latin typeface="Cambria Math" panose="02040503050406030204" pitchFamily="18" charset="0"/>
+                              <a:ea typeface="微软雅黑" panose="020B0503020204020204" pitchFamily="34" charset="-122"/>
+                            </a:rPr>
+                          </m:ctrlPr>
+                        </m:fPr>
+                        <m:num>
+                          <m:r>
+                            <a:rPr lang="en-US" altLang="zh-CN" i="1" dirty="0">
+                              <a:latin typeface="Cambria Math" panose="02040503050406030204" pitchFamily="18" charset="0"/>
+                              <a:ea typeface="微软雅黑" panose="020B0503020204020204" pitchFamily="34" charset="-122"/>
+                            </a:rPr>
+                            <m:t>1</m:t>
+                          </m:r>
+                        </m:num>
+                        <m:den>
+                          <m:sSub>
+                            <m:sSubPr>
+                              <m:ctrlPr>
+                                <a:rPr lang="en-US" altLang="zh-CN" b="0" i="1" dirty="0" smtClean="0">
+                                  <a:latin typeface="Cambria Math" panose="02040503050406030204" pitchFamily="18" charset="0"/>
+                                  <a:ea typeface="微软雅黑" panose="020B0503020204020204" pitchFamily="34" charset="-122"/>
+                                </a:rPr>
+                              </m:ctrlPr>
+                            </m:sSubPr>
+                            <m:e>
+                              <m:r>
+                                <a:rPr lang="zh-CN" altLang="en-US" i="1" dirty="0">
+                                  <a:latin typeface="Cambria Math" panose="02040503050406030204" pitchFamily="18" charset="0"/>
+                                  <a:ea typeface="微软雅黑" panose="020B0503020204020204" pitchFamily="34" charset="-122"/>
+                                </a:rPr>
+                                <m:t>𝜅</m:t>
+                              </m:r>
+                            </m:e>
+                            <m:sub>
+                              <m:r>
+                                <a:rPr lang="en-US" altLang="zh-CN" b="0" i="1" dirty="0" smtClean="0">
+                                  <a:latin typeface="Cambria Math" panose="02040503050406030204" pitchFamily="18" charset="0"/>
+                                  <a:ea typeface="Cambria Math" panose="02040503050406030204" pitchFamily="18" charset="0"/>
+                                </a:rPr>
+                                <m:t>∞</m:t>
+                              </m:r>
+                            </m:sub>
+                          </m:sSub>
+                        </m:den>
+                      </m:f>
+                    </m:oMath>
+                  </m:oMathPara>
+                </a14:m>
+                <a:endParaRPr lang="zh-CN" altLang="en-US" dirty="0" smtClean="0">
+                  <a:latin typeface="微软雅黑" panose="020B0503020204020204" pitchFamily="34" charset="-122"/>
+                  <a:ea typeface="微软雅黑" panose="020B0503020204020204" pitchFamily="34" charset="-122"/>
+                </a:endParaRPr>
+              </a:p>
+            </p:txBody>
+          </p:sp>
+        </mc:Choice>
+        <mc:Fallback>
+          <p:sp>
+            <p:nvSpPr>
+              <p:cNvPr id="3" name="文本框 2"/>
+              <p:cNvSpPr txBox="1">
+                <a:spLocks noRot="1" noChangeAspect="1" noMove="1" noResize="1" noEditPoints="1" noAdjustHandles="1" noChangeArrowheads="1" noChangeShapeType="1" noTextEdit="1"/>
+              </p:cNvSpPr>
+              <p:nvPr/>
+            </p:nvSpPr>
+            <p:spPr>
+              <a:xfrm>
+                <a:off x="3745640" y="5298853"/>
+                <a:ext cx="2372844" cy="658065"/>
+              </a:xfrm>
+              <a:prstGeom prst="rect">
+                <a:avLst/>
+              </a:prstGeom>
+              <a:blipFill>
+                <a:blip r:embed="rId5"/>
+                <a:stretch>
+                  <a:fillRect/>
+                </a:stretch>
+              </a:blipFill>
+            </p:spPr>
+            <p:txBody>
+              <a:bodyPr/>
+              <a:lstStyle/>
+              <a:p>
+                <a:r>
+                  <a:rPr lang="zh-CN" altLang="en-US">
+                    <a:noFill/>
+                  </a:rPr>
+                  <a:t> </a:t>
+                </a:r>
+              </a:p>
+            </p:txBody>
+          </p:sp>
+        </mc:Fallback>
+      </mc:AlternateContent>
     </p:spTree>
     <p:extLst>
       <p:ext uri="{BB962C8B-B14F-4D97-AF65-F5344CB8AC3E}">

--- a/paper.pptx
+++ b/paper.pptx
@@ -5,7 +5,7 @@
     <p:sldMasterId id="2147483660" r:id="rId1"/>
   </p:sldMasterIdLst>
   <p:notesMasterIdLst>
-    <p:notesMasterId r:id="rId19"/>
+    <p:notesMasterId r:id="rId20"/>
   </p:notesMasterIdLst>
   <p:sldIdLst>
     <p:sldId id="401" r:id="rId2"/>
@@ -20,16 +20,17 @@
     <p:sldId id="419" r:id="rId11"/>
     <p:sldId id="424" r:id="rId12"/>
     <p:sldId id="425" r:id="rId13"/>
-    <p:sldId id="421" r:id="rId14"/>
-    <p:sldId id="427" r:id="rId15"/>
-    <p:sldId id="428" r:id="rId16"/>
-    <p:sldId id="400" r:id="rId17"/>
-    <p:sldId id="402" r:id="rId18"/>
+    <p:sldId id="429" r:id="rId14"/>
+    <p:sldId id="421" r:id="rId15"/>
+    <p:sldId id="427" r:id="rId16"/>
+    <p:sldId id="428" r:id="rId17"/>
+    <p:sldId id="400" r:id="rId18"/>
+    <p:sldId id="402" r:id="rId19"/>
   </p:sldIdLst>
   <p:sldSz cx="9144000" cy="6858000" type="screen4x3"/>
   <p:notesSz cx="6858000" cy="9144000"/>
   <p:custDataLst>
-    <p:tags r:id="rId20"/>
+    <p:tags r:id="rId21"/>
   </p:custDataLst>
   <p:defaultTextStyle>
     <a:defPPr>
@@ -266,7 +267,7 @@
               <a:pPr>
                 <a:defRPr/>
               </a:pPr>
-              <a:t>2017-01-13 Friday</a:t>
+              <a:t>2017-01-14 Saturday</a:t>
             </a:fld>
             <a:endParaRPr lang="zh-CN" altLang="en-US"/>
           </a:p>
@@ -5654,6 +5655,172 @@
         <p:spPr>
           <a:xfrm>
             <a:off x="142844" y="116632"/>
+            <a:ext cx="3038011" cy="523220"/>
+          </a:xfrm>
+          <a:prstGeom prst="rect">
+            <a:avLst/>
+          </a:prstGeom>
+          <a:noFill/>
+        </p:spPr>
+        <p:txBody>
+          <a:bodyPr wrap="none" rtlCol="0">
+            <a:spAutoFit/>
+          </a:bodyPr>
+          <a:lstStyle/>
+          <a:p>
+            <a:r>
+              <a:rPr lang="en-US" altLang="zh-CN" sz="2800" b="1" dirty="0" smtClean="0">
+                <a:ea typeface="微软雅黑" pitchFamily="34" charset="-122"/>
+                <a:cs typeface="Times New Roman" pitchFamily="18" charset="0"/>
+              </a:rPr>
+              <a:t>Why TC is small</a:t>
+            </a:r>
+            <a:endParaRPr lang="en-US" altLang="zh-CN" sz="2800" b="1" dirty="0">
+              <a:ea typeface="微软雅黑" pitchFamily="34" charset="-122"/>
+              <a:cs typeface="Times New Roman" pitchFamily="18" charset="0"/>
+            </a:endParaRPr>
+          </a:p>
+        </p:txBody>
+      </p:sp>
+    </p:spTree>
+    <p:extLst>
+      <p:ext uri="{BB962C8B-B14F-4D97-AF65-F5344CB8AC3E}">
+        <p14:creationId xmlns:p14="http://schemas.microsoft.com/office/powerpoint/2010/main" val="1292611083"/>
+      </p:ext>
+    </p:extLst>
+  </p:cSld>
+  <p:clrMapOvr>
+    <a:masterClrMapping/>
+  </p:clrMapOvr>
+  <mc:AlternateContent xmlns:mc="http://schemas.openxmlformats.org/markup-compatibility/2006" xmlns:p14="http://schemas.microsoft.com/office/powerpoint/2010/main">
+    <mc:Choice Requires="p14">
+      <p:transition p14:dur="250">
+        <p:push/>
+      </p:transition>
+    </mc:Choice>
+    <mc:Fallback xmlns="">
+      <p:transition>
+        <p:push/>
+      </p:transition>
+    </mc:Fallback>
+  </mc:AlternateContent>
+</p:sld>
+</file>
+
+<file path=ppt/slides/slide14.xml><?xml version="1.0" encoding="utf-8"?>
+<p:sld xmlns:a="http://schemas.openxmlformats.org/drawingml/2006/main" xmlns:r="http://schemas.openxmlformats.org/officeDocument/2006/relationships" xmlns:p="http://schemas.openxmlformats.org/presentationml/2006/main">
+  <p:cSld>
+    <p:spTree>
+      <p:nvGrpSpPr>
+        <p:cNvPr id="1" name=""/>
+        <p:cNvGrpSpPr/>
+        <p:nvPr/>
+      </p:nvGrpSpPr>
+      <p:grpSpPr>
+        <a:xfrm>
+          <a:off x="0" y="0"/>
+          <a:ext cx="0" cy="0"/>
+          <a:chOff x="0" y="0"/>
+          <a:chExt cx="0" cy="0"/>
+        </a:xfrm>
+      </p:grpSpPr>
+      <p:grpSp>
+        <p:nvGrpSpPr>
+          <p:cNvPr id="4" name="组合 3"/>
+          <p:cNvGrpSpPr/>
+          <p:nvPr/>
+        </p:nvGrpSpPr>
+        <p:grpSpPr>
+          <a:xfrm>
+            <a:off x="0" y="785794"/>
+            <a:ext cx="4143372" cy="142876"/>
+            <a:chOff x="0" y="785794"/>
+            <a:chExt cx="4143372" cy="142876"/>
+          </a:xfrm>
+        </p:grpSpPr>
+        <p:cxnSp>
+          <p:nvCxnSpPr>
+            <p:cNvPr id="5" name="直接连接符 4"/>
+            <p:cNvCxnSpPr>
+              <a:endCxn id="6" idx="3"/>
+            </p:cNvCxnSpPr>
+            <p:nvPr/>
+          </p:nvCxnSpPr>
+          <p:spPr>
+            <a:xfrm rot="10800000">
+              <a:off x="642910" y="857232"/>
+              <a:ext cx="3500462" cy="1588"/>
+            </a:xfrm>
+            <a:prstGeom prst="line">
+              <a:avLst/>
+            </a:prstGeom>
+            <a:ln w="19050">
+              <a:solidFill>
+                <a:srgbClr val="7030A0"/>
+              </a:solidFill>
+            </a:ln>
+          </p:spPr>
+          <p:style>
+            <a:lnRef idx="1">
+              <a:schemeClr val="accent1"/>
+            </a:lnRef>
+            <a:fillRef idx="0">
+              <a:schemeClr val="accent1"/>
+            </a:fillRef>
+            <a:effectRef idx="0">
+              <a:schemeClr val="accent1"/>
+            </a:effectRef>
+            <a:fontRef idx="minor">
+              <a:schemeClr val="tx1"/>
+            </a:fontRef>
+          </p:style>
+        </p:cxnSp>
+        <p:sp>
+          <p:nvSpPr>
+            <p:cNvPr id="6" name="Rectangle 7"/>
+            <p:cNvSpPr>
+              <a:spLocks noChangeArrowheads="1"/>
+            </p:cNvSpPr>
+            <p:nvPr/>
+          </p:nvSpPr>
+          <p:spPr bwMode="auto">
+            <a:xfrm>
+              <a:off x="0" y="785794"/>
+              <a:ext cx="642910" cy="142876"/>
+            </a:xfrm>
+            <a:prstGeom prst="rect">
+              <a:avLst/>
+            </a:prstGeom>
+            <a:solidFill>
+              <a:srgbClr val="7030A0"/>
+            </a:solidFill>
+            <a:ln w="9525">
+              <a:solidFill>
+                <a:srgbClr val="7030A0"/>
+              </a:solidFill>
+              <a:miter lim="800000"/>
+              <a:headEnd/>
+              <a:tailEnd/>
+            </a:ln>
+          </p:spPr>
+          <p:txBody>
+            <a:bodyPr wrap="none" anchor="ctr"/>
+            <a:lstStyle/>
+            <a:p>
+              <a:endParaRPr lang="zh-CN" altLang="en-US"/>
+            </a:p>
+          </p:txBody>
+        </p:sp>
+      </p:grpSp>
+      <p:sp>
+        <p:nvSpPr>
+          <p:cNvPr id="7" name="TextBox 3"/>
+          <p:cNvSpPr txBox="1"/>
+          <p:nvPr/>
+        </p:nvSpPr>
+        <p:spPr>
+          <a:xfrm>
+            <a:off x="142844" y="116632"/>
             <a:ext cx="3182281" cy="523220"/>
           </a:xfrm>
           <a:prstGeom prst="rect">
@@ -5985,7 +6152,7 @@
 </p:sld>
 </file>
 
-<file path=ppt/slides/slide14.xml><?xml version="1.0" encoding="utf-8"?>
+<file path=ppt/slides/slide15.xml><?xml version="1.0" encoding="utf-8"?>
 <p:sld xmlns:a="http://schemas.openxmlformats.org/drawingml/2006/main" xmlns:r="http://schemas.openxmlformats.org/officeDocument/2006/relationships" xmlns:p="http://schemas.openxmlformats.org/presentationml/2006/main">
   <p:cSld>
     <p:spTree>
@@ -6313,7 +6480,7 @@
 </p:sld>
 </file>
 
-<file path=ppt/slides/slide15.xml><?xml version="1.0" encoding="utf-8"?>
+<file path=ppt/slides/slide16.xml><?xml version="1.0" encoding="utf-8"?>
 <p:sld xmlns:a="http://schemas.openxmlformats.org/drawingml/2006/main" xmlns:r="http://schemas.openxmlformats.org/officeDocument/2006/relationships" xmlns:p="http://schemas.openxmlformats.org/presentationml/2006/main">
   <p:cSld>
     <p:spTree>
@@ -7043,7 +7210,7 @@
 </p:sld>
 </file>
 
-<file path=ppt/slides/slide16.xml><?xml version="1.0" encoding="utf-8"?>
+<file path=ppt/slides/slide17.xml><?xml version="1.0" encoding="utf-8"?>
 <p:sld xmlns:a="http://schemas.openxmlformats.org/drawingml/2006/main" xmlns:r="http://schemas.openxmlformats.org/officeDocument/2006/relationships" xmlns:p="http://schemas.openxmlformats.org/presentationml/2006/main">
   <p:cSld>
     <p:spTree>
@@ -7614,7 +7781,7 @@
 </p:sld>
 </file>
 
-<file path=ppt/slides/slide17.xml><?xml version="1.0" encoding="utf-8"?>
+<file path=ppt/slides/slide18.xml><?xml version="1.0" encoding="utf-8"?>
 <p:sld xmlns:a="http://schemas.openxmlformats.org/drawingml/2006/main" xmlns:r="http://schemas.openxmlformats.org/officeDocument/2006/relationships" xmlns:p="http://schemas.openxmlformats.org/presentationml/2006/main">
   <p:cSld>
     <p:spTree>
@@ -7855,7 +8022,7 @@
               <a:pPr>
                 <a:defRPr/>
               </a:pPr>
-              <a:t>17</a:t>
+              <a:t>18</a:t>
             </a:fld>
             <a:endParaRPr lang="zh-CN" altLang="zh-CN"/>
           </a:p>
@@ -11247,8 +11414,8 @@
           </a:prstGeom>
         </p:spPr>
       </p:pic>
-      <mc:AlternateContent xmlns:mc="http://schemas.openxmlformats.org/markup-compatibility/2006">
-        <mc:Choice xmlns:a14="http://schemas.microsoft.com/office/drawing/2010/main" Requires="a14">
+      <mc:AlternateContent xmlns:mc="http://schemas.openxmlformats.org/markup-compatibility/2006" xmlns:a14="http://schemas.microsoft.com/office/drawing/2010/main">
+        <mc:Choice Requires="a14">
           <p:sp>
             <p:nvSpPr>
               <p:cNvPr id="3" name="文本框 2"/>
@@ -11271,6 +11438,7 @@
               </a:bodyPr>
               <a:lstStyle/>
               <a:p>
+                <a:pPr/>
                 <a14:m>
                   <m:oMathPara xmlns:m="http://schemas.openxmlformats.org/officeDocument/2006/math">
                     <m:oMathParaPr>
@@ -11407,7 +11575,7 @@
             </p:txBody>
           </p:sp>
         </mc:Choice>
-        <mc:Fallback>
+        <mc:Fallback xmlns="">
           <p:sp>
             <p:nvSpPr>
               <p:cNvPr id="3" name="文本框 2"/>
